--- a/JAVASCRIPT/TEMA 5.pptx
+++ b/JAVASCRIPT/TEMA 5.pptx
@@ -5,7 +5,7 @@
     <p:sldMasterId id="2147483660" r:id="rId1"/>
   </p:sldMasterIdLst>
   <p:notesMasterIdLst>
-    <p:notesMasterId r:id="rId10"/>
+    <p:notesMasterId r:id="rId11"/>
   </p:notesMasterIdLst>
   <p:sldIdLst>
     <p:sldId id="256" r:id="rId2"/>
@@ -16,6 +16,7 @@
     <p:sldId id="262" r:id="rId7"/>
     <p:sldId id="263" r:id="rId8"/>
     <p:sldId id="264" r:id="rId9"/>
+    <p:sldId id="265" r:id="rId10"/>
   </p:sldIdLst>
   <p:sldSz cx="12192000" cy="6858000"/>
   <p:notesSz cx="6858000" cy="9144000"/>
@@ -248,7 +249,7 @@
           <a:p>
             <a:fld id="{391F017E-414B-4B95-B592-C344CC6A0CA9}" type="datetimeFigureOut">
               <a:rPr lang="es-ES" smtClean="0"/>
-              <a:t>02/12/2020</a:t>
+              <a:t>10/12/2020</a:t>
             </a:fld>
             <a:endParaRPr lang="es-ES"/>
           </a:p>
@@ -9814,10 +9815,347 @@
           </a:p>
         </p:txBody>
       </p:sp>
+      <p:sp>
+        <p:nvSpPr>
+          <p:cNvPr id="5" name="CuadroTexto 4">
+            <a:extLst>
+              <a:ext uri="{FF2B5EF4-FFF2-40B4-BE49-F238E27FC236}">
+                <a16:creationId xmlns:a16="http://schemas.microsoft.com/office/drawing/2014/main" id="{6E10EB2E-6C5B-4620-9C54-66EC80E21CE5}"/>
+              </a:ext>
+            </a:extLst>
+          </p:cNvPr>
+          <p:cNvSpPr txBox="1"/>
+          <p:nvPr/>
+        </p:nvSpPr>
+        <p:spPr>
+          <a:xfrm>
+            <a:off x="838200" y="1215829"/>
+            <a:ext cx="5257800" cy="2585323"/>
+          </a:xfrm>
+          <a:prstGeom prst="rect">
+            <a:avLst/>
+          </a:prstGeom>
+          <a:noFill/>
+        </p:spPr>
+        <p:txBody>
+          <a:bodyPr wrap="square">
+            <a:spAutoFit/>
+          </a:bodyPr>
+          <a:lstStyle/>
+          <a:p>
+            <a:r>
+              <a:rPr lang="es-ES" dirty="0"/>
+              <a:t>JavaScript tiene una palabra clave especial, </a:t>
+            </a:r>
+            <a:r>
+              <a:rPr lang="es-ES" dirty="0" err="1"/>
+              <a:t>this</a:t>
+            </a:r>
+            <a:r>
+              <a:rPr lang="es-ES" dirty="0"/>
+              <a:t>, que puedes usar dentro de un método para referirte al objeto actual. </a:t>
+            </a:r>
+          </a:p>
+          <a:p>
+            <a:endParaRPr lang="es-ES" dirty="0"/>
+          </a:p>
+          <a:p>
+            <a:r>
+              <a:rPr lang="es-ES" dirty="0"/>
+              <a:t>Por ejemplo, supongamos que tienes 2 </a:t>
+            </a:r>
+            <a:r>
+              <a:rPr lang="es-ES" dirty="0" err="1"/>
+              <a:t>objetos,Manager</a:t>
+            </a:r>
+            <a:r>
+              <a:rPr lang="es-ES" dirty="0"/>
+              <a:t> e </a:t>
+            </a:r>
+            <a:r>
+              <a:rPr lang="es-ES" dirty="0" err="1"/>
+              <a:t>Intern</a:t>
+            </a:r>
+            <a:r>
+              <a:rPr lang="es-ES" dirty="0"/>
+              <a:t>.</a:t>
+            </a:r>
+          </a:p>
+          <a:p>
+            <a:endParaRPr lang="es-ES" dirty="0"/>
+          </a:p>
+          <a:p>
+            <a:r>
+              <a:rPr lang="es-ES" dirty="0"/>
+              <a:t>Cada objeto tiene su propio </a:t>
+            </a:r>
+            <a:r>
+              <a:rPr lang="es-ES" dirty="0" err="1"/>
+              <a:t>name,age</a:t>
+            </a:r>
+            <a:r>
+              <a:rPr lang="es-ES" dirty="0"/>
+              <a:t> y </a:t>
+            </a:r>
+            <a:r>
+              <a:rPr lang="es-ES" dirty="0" err="1"/>
+              <a:t>job</a:t>
+            </a:r>
+            <a:r>
+              <a:rPr lang="es-ES" dirty="0"/>
+              <a:t>. En la función </a:t>
+            </a:r>
+            <a:r>
+              <a:rPr lang="es-ES" dirty="0" err="1"/>
+              <a:t>sayHi</a:t>
+            </a:r>
+            <a:r>
+              <a:rPr lang="es-ES" dirty="0"/>
+              <a:t>(), observa que hay this.name.</a:t>
+            </a:r>
+          </a:p>
+        </p:txBody>
+      </p:sp>
+      <p:pic>
+        <p:nvPicPr>
+          <p:cNvPr id="7" name="Imagen 6">
+            <a:extLst>
+              <a:ext uri="{FF2B5EF4-FFF2-40B4-BE49-F238E27FC236}">
+                <a16:creationId xmlns:a16="http://schemas.microsoft.com/office/drawing/2014/main" id="{2B6DD8A2-98F7-4D15-A559-9CA0EDD69C8C}"/>
+              </a:ext>
+            </a:extLst>
+          </p:cNvPr>
+          <p:cNvPicPr>
+            <a:picLocks noChangeAspect="1"/>
+          </p:cNvPicPr>
+          <p:nvPr/>
+        </p:nvPicPr>
+        <p:blipFill>
+          <a:blip r:embed="rId2"/>
+          <a:stretch>
+            <a:fillRect/>
+          </a:stretch>
+        </p:blipFill>
+        <p:spPr>
+          <a:xfrm>
+            <a:off x="6539986" y="1215830"/>
+            <a:ext cx="5058741" cy="4962172"/>
+          </a:xfrm>
+          <a:prstGeom prst="rect">
+            <a:avLst/>
+          </a:prstGeom>
+        </p:spPr>
+      </p:pic>
     </p:spTree>
     <p:extLst>
       <p:ext uri="{BB962C8B-B14F-4D97-AF65-F5344CB8AC3E}">
         <p14:creationId xmlns:p14="http://schemas.microsoft.com/office/powerpoint/2010/main" val="3788295482"/>
+      </p:ext>
+    </p:extLst>
+  </p:cSld>
+  <p:clrMapOvr>
+    <a:masterClrMapping/>
+  </p:clrMapOvr>
+  <mc:AlternateContent xmlns:mc="http://schemas.openxmlformats.org/markup-compatibility/2006" xmlns:p14="http://schemas.microsoft.com/office/powerpoint/2010/main">
+    <mc:Choice Requires="p14">
+      <p:transition spd="med" p14:dur="700">
+        <p:fade/>
+      </p:transition>
+    </mc:Choice>
+    <mc:Fallback xmlns="">
+      <p:transition spd="med">
+        <p:fade/>
+      </p:transition>
+    </mc:Fallback>
+  </mc:AlternateContent>
+</p:sld>
+</file>
+
+<file path=ppt/slides/slide9.xml><?xml version="1.0" encoding="utf-8"?>
+<p:sld xmlns:a="http://schemas.openxmlformats.org/drawingml/2006/main" xmlns:r="http://schemas.openxmlformats.org/officeDocument/2006/relationships" xmlns:p="http://schemas.openxmlformats.org/presentationml/2006/main">
+  <p:cSld>
+    <p:spTree>
+      <p:nvGrpSpPr>
+        <p:cNvPr id="1" name=""/>
+        <p:cNvGrpSpPr/>
+        <p:nvPr/>
+      </p:nvGrpSpPr>
+      <p:grpSpPr>
+        <a:xfrm>
+          <a:off x="0" y="0"/>
+          <a:ext cx="0" cy="0"/>
+          <a:chOff x="0" y="0"/>
+          <a:chExt cx="0" cy="0"/>
+        </a:xfrm>
+      </p:grpSpPr>
+      <p:sp>
+        <p:nvSpPr>
+          <p:cNvPr id="2" name="Título 1">
+            <a:extLst>
+              <a:ext uri="{FF2B5EF4-FFF2-40B4-BE49-F238E27FC236}">
+                <a16:creationId xmlns:a16="http://schemas.microsoft.com/office/drawing/2014/main" id="{E71A548F-91DF-4B8A-9C77-882CCA25ED1D}"/>
+              </a:ext>
+            </a:extLst>
+          </p:cNvPr>
+          <p:cNvSpPr>
+            <a:spLocks noGrp="1"/>
+          </p:cNvSpPr>
+          <p:nvPr>
+            <p:ph type="title"/>
+          </p:nvPr>
+        </p:nvSpPr>
+        <p:spPr/>
+        <p:txBody>
+          <a:bodyPr>
+            <a:normAutofit fontScale="90000"/>
+          </a:bodyPr>
+          <a:lstStyle/>
+          <a:p>
+            <a:r>
+              <a:rPr lang="es-ES" dirty="0" err="1"/>
+              <a:t>Getters</a:t>
+            </a:r>
+            <a:r>
+              <a:rPr lang="es-ES" dirty="0"/>
+              <a:t> and </a:t>
+            </a:r>
+            <a:r>
+              <a:rPr lang="es-ES" dirty="0" err="1"/>
+              <a:t>Setters</a:t>
+            </a:r>
+            <a:endParaRPr lang="es-ES" dirty="0"/>
+          </a:p>
+        </p:txBody>
+      </p:sp>
+      <p:sp>
+        <p:nvSpPr>
+          <p:cNvPr id="3" name="Marcador de número de diapositiva 2">
+            <a:extLst>
+              <a:ext uri="{FF2B5EF4-FFF2-40B4-BE49-F238E27FC236}">
+                <a16:creationId xmlns:a16="http://schemas.microsoft.com/office/drawing/2014/main" id="{9520059D-8638-44A1-992A-0EA34ADF1BCA}"/>
+              </a:ext>
+            </a:extLst>
+          </p:cNvPr>
+          <p:cNvSpPr>
+            <a:spLocks noGrp="1"/>
+          </p:cNvSpPr>
+          <p:nvPr>
+            <p:ph type="sldNum" sz="quarter" idx="12"/>
+          </p:nvPr>
+        </p:nvSpPr>
+        <p:spPr/>
+        <p:txBody>
+          <a:bodyPr/>
+          <a:lstStyle/>
+          <a:p>
+            <a:fld id="{63118611-7822-7D46-8FF7-94E882FDEEE2}" type="slidenum">
+              <a:rPr lang="en-US" smtClean="0"/>
+              <a:t>9</a:t>
+            </a:fld>
+            <a:endParaRPr lang="en-US"/>
+          </a:p>
+        </p:txBody>
+      </p:sp>
+      <p:sp>
+        <p:nvSpPr>
+          <p:cNvPr id="5" name="CuadroTexto 4">
+            <a:extLst>
+              <a:ext uri="{FF2B5EF4-FFF2-40B4-BE49-F238E27FC236}">
+                <a16:creationId xmlns:a16="http://schemas.microsoft.com/office/drawing/2014/main" id="{7E7AB09C-3419-4C50-A90E-AC31341260DD}"/>
+              </a:ext>
+            </a:extLst>
+          </p:cNvPr>
+          <p:cNvSpPr txBox="1"/>
+          <p:nvPr/>
+        </p:nvSpPr>
+        <p:spPr>
+          <a:xfrm>
+            <a:off x="838200" y="1183600"/>
+            <a:ext cx="4433712" cy="4247317"/>
+          </a:xfrm>
+          <a:prstGeom prst="rect">
+            <a:avLst/>
+          </a:prstGeom>
+          <a:noFill/>
+        </p:spPr>
+        <p:txBody>
+          <a:bodyPr wrap="square">
+            <a:spAutoFit/>
+          </a:bodyPr>
+          <a:lstStyle/>
+          <a:p>
+            <a:r>
+              <a:rPr lang="es-ES" dirty="0"/>
+              <a:t>Un captador (</a:t>
+            </a:r>
+            <a:r>
+              <a:rPr lang="es-ES" dirty="0" err="1"/>
+              <a:t>getter</a:t>
+            </a:r>
+            <a:r>
+              <a:rPr lang="es-ES" dirty="0"/>
+              <a:t>) es un método que obtiene el valor de una propiedad específica. </a:t>
+            </a:r>
+          </a:p>
+          <a:p>
+            <a:r>
+              <a:rPr lang="es-ES" dirty="0"/>
+              <a:t>Un establecedor (setter) es un método que establece el valor de una propiedad específica. Puedes definir captadores y establecedores en cualquier objeto principal predefinido o en un objeto definido por el usuario que admita la adición de nuevas propiedades. </a:t>
+            </a:r>
+          </a:p>
+          <a:p>
+            <a:endParaRPr lang="es-ES" dirty="0"/>
+          </a:p>
+          <a:p>
+            <a:r>
+              <a:rPr lang="es-ES" dirty="0"/>
+              <a:t>Al definir captadores y establecedores usando iniciadores de objeto, todo lo que necesitas hacer es prefijar un método captador con </a:t>
+            </a:r>
+            <a:r>
+              <a:rPr lang="es-ES" dirty="0" err="1"/>
+              <a:t>get</a:t>
+            </a:r>
+            <a:r>
+              <a:rPr lang="es-ES" dirty="0"/>
+              <a:t> y un método establecedor con set. </a:t>
+            </a:r>
+          </a:p>
+        </p:txBody>
+      </p:sp>
+      <p:pic>
+        <p:nvPicPr>
+          <p:cNvPr id="7" name="Imagen 6">
+            <a:extLst>
+              <a:ext uri="{FF2B5EF4-FFF2-40B4-BE49-F238E27FC236}">
+                <a16:creationId xmlns:a16="http://schemas.microsoft.com/office/drawing/2014/main" id="{09C27E42-FC35-41FF-BB93-BB9D7C7020CF}"/>
+              </a:ext>
+            </a:extLst>
+          </p:cNvPr>
+          <p:cNvPicPr>
+            <a:picLocks noChangeAspect="1"/>
+          </p:cNvPicPr>
+          <p:nvPr/>
+        </p:nvPicPr>
+        <p:blipFill>
+          <a:blip r:embed="rId2"/>
+          <a:stretch>
+            <a:fillRect/>
+          </a:stretch>
+        </p:blipFill>
+        <p:spPr>
+          <a:xfrm>
+            <a:off x="5377567" y="1079500"/>
+            <a:ext cx="6814433" cy="4152900"/>
+          </a:xfrm>
+          <a:prstGeom prst="rect">
+            <a:avLst/>
+          </a:prstGeom>
+        </p:spPr>
+      </p:pic>
+    </p:spTree>
+    <p:extLst>
+      <p:ext uri="{BB962C8B-B14F-4D97-AF65-F5344CB8AC3E}">
+        <p14:creationId xmlns:p14="http://schemas.microsoft.com/office/powerpoint/2010/main" val="2452590243"/>
       </p:ext>
     </p:extLst>
   </p:cSld>
